--- a/doc/Presentacion.pptx
+++ b/doc/Presentacion.pptx
@@ -219,7 +219,7 @@
           <a:p>
             <a:fld id="{48C93096-3FDD-764E-9DE8-5B048B3512B7}" type="datetimeFigureOut">
               <a:rPr lang="en-US" smtClean="0"/>
-              <a:t>28/06/15</a:t>
+              <a:t>13/07/15</a:t>
             </a:fld>
             <a:endParaRPr lang="en-US"/>
           </a:p>
@@ -752,7 +752,7 @@
           <a:p>
             <a:fld id="{AE397DBA-E559-7F48-81B3-A802100C6860}" type="datetimeFigureOut">
               <a:rPr lang="en-US" smtClean="0"/>
-              <a:t>28/06/15</a:t>
+              <a:t>13/07/15</a:t>
             </a:fld>
             <a:endParaRPr lang="en-US"/>
           </a:p>
@@ -922,7 +922,7 @@
           <a:p>
             <a:fld id="{AE397DBA-E559-7F48-81B3-A802100C6860}" type="datetimeFigureOut">
               <a:rPr lang="en-US" smtClean="0"/>
-              <a:t>28/06/15</a:t>
+              <a:t>13/07/15</a:t>
             </a:fld>
             <a:endParaRPr lang="en-US"/>
           </a:p>
@@ -1102,7 +1102,7 @@
           <a:p>
             <a:fld id="{AE397DBA-E559-7F48-81B3-A802100C6860}" type="datetimeFigureOut">
               <a:rPr lang="en-US" smtClean="0"/>
-              <a:t>28/06/15</a:t>
+              <a:t>13/07/15</a:t>
             </a:fld>
             <a:endParaRPr lang="en-US"/>
           </a:p>
@@ -1272,7 +1272,7 @@
           <a:p>
             <a:fld id="{AE397DBA-E559-7F48-81B3-A802100C6860}" type="datetimeFigureOut">
               <a:rPr lang="en-US" smtClean="0"/>
-              <a:t>28/06/15</a:t>
+              <a:t>13/07/15</a:t>
             </a:fld>
             <a:endParaRPr lang="en-US"/>
           </a:p>
@@ -1518,7 +1518,7 @@
           <a:p>
             <a:fld id="{AE397DBA-E559-7F48-81B3-A802100C6860}" type="datetimeFigureOut">
               <a:rPr lang="en-US" smtClean="0"/>
-              <a:t>28/06/15</a:t>
+              <a:t>13/07/15</a:t>
             </a:fld>
             <a:endParaRPr lang="en-US"/>
           </a:p>
@@ -1806,7 +1806,7 @@
           <a:p>
             <a:fld id="{AE397DBA-E559-7F48-81B3-A802100C6860}" type="datetimeFigureOut">
               <a:rPr lang="en-US" smtClean="0"/>
-              <a:t>28/06/15</a:t>
+              <a:t>13/07/15</a:t>
             </a:fld>
             <a:endParaRPr lang="en-US"/>
           </a:p>
@@ -2228,7 +2228,7 @@
           <a:p>
             <a:fld id="{AE397DBA-E559-7F48-81B3-A802100C6860}" type="datetimeFigureOut">
               <a:rPr lang="en-US" smtClean="0"/>
-              <a:t>28/06/15</a:t>
+              <a:t>13/07/15</a:t>
             </a:fld>
             <a:endParaRPr lang="en-US"/>
           </a:p>
@@ -2346,7 +2346,7 @@
           <a:p>
             <a:fld id="{AE397DBA-E559-7F48-81B3-A802100C6860}" type="datetimeFigureOut">
               <a:rPr lang="en-US" smtClean="0"/>
-              <a:t>28/06/15</a:t>
+              <a:t>13/07/15</a:t>
             </a:fld>
             <a:endParaRPr lang="en-US"/>
           </a:p>
@@ -2441,7 +2441,7 @@
           <a:p>
             <a:fld id="{AE397DBA-E559-7F48-81B3-A802100C6860}" type="datetimeFigureOut">
               <a:rPr lang="en-US" smtClean="0"/>
-              <a:t>28/06/15</a:t>
+              <a:t>13/07/15</a:t>
             </a:fld>
             <a:endParaRPr lang="en-US"/>
           </a:p>
@@ -2718,7 +2718,7 @@
           <a:p>
             <a:fld id="{AE397DBA-E559-7F48-81B3-A802100C6860}" type="datetimeFigureOut">
               <a:rPr lang="en-US" smtClean="0"/>
-              <a:t>28/06/15</a:t>
+              <a:t>13/07/15</a:t>
             </a:fld>
             <a:endParaRPr lang="en-US"/>
           </a:p>
@@ -2971,7 +2971,7 @@
           <a:p>
             <a:fld id="{AE397DBA-E559-7F48-81B3-A802100C6860}" type="datetimeFigureOut">
               <a:rPr lang="en-US" smtClean="0"/>
-              <a:t>28/06/15</a:t>
+              <a:t>13/07/15</a:t>
             </a:fld>
             <a:endParaRPr lang="en-US"/>
           </a:p>
@@ -3184,7 +3184,7 @@
           <a:p>
             <a:fld id="{AE397DBA-E559-7F48-81B3-A802100C6860}" type="datetimeFigureOut">
               <a:rPr lang="en-US" smtClean="0"/>
-              <a:t>28/06/15</a:t>
+              <a:t>13/07/15</a:t>
             </a:fld>
             <a:endParaRPr lang="en-US"/>
           </a:p>
@@ -3932,7 +3932,7 @@
 </file>
 
 <file path=ppt/slides/slide10.xml><?xml version="1.0" encoding="utf-8"?>
-<p:sld xmlns:a="http://schemas.openxmlformats.org/drawingml/2006/main" xmlns:r="http://schemas.openxmlformats.org/officeDocument/2006/relationships" xmlns:p="http://schemas.openxmlformats.org/presentationml/2006/main">
+<p:sld xmlns:a="http://schemas.openxmlformats.org/drawingml/2006/main" xmlns:r="http://schemas.openxmlformats.org/officeDocument/2006/relationships" xmlns:p="http://schemas.openxmlformats.org/presentationml/2006/main" show="0">
   <p:cSld>
     <p:spTree>
       <p:nvGrpSpPr>
@@ -4160,6 +4160,14 @@
   <p:clrMapOvr>
     <a:masterClrMapping/>
   </p:clrMapOvr>
+  <mc:AlternateContent xmlns:mc="http://schemas.openxmlformats.org/markup-compatibility/2006">
+    <mc:Choice xmlns:p14="http://schemas.microsoft.com/office/powerpoint/2010/main" Requires="p14">
+      <p:transition spd="slow" p14:dur="2000"/>
+    </mc:Choice>
+    <mc:Fallback>
+      <p:transition xmlns:p14="http://schemas.microsoft.com/office/powerpoint/2010/main" spd="slow"/>
+    </mc:Fallback>
+  </mc:AlternateContent>
   <p:timing>
     <p:tnLst>
       <p:par>
@@ -5025,11 +5033,7 @@
             <a:pPr lvl="2"/>
             <a:r>
               <a:rPr lang="es-ES" dirty="0" smtClean="0"/>
-              <a:t>Encontrar función de </a:t>
-            </a:r>
-            <a:r>
-              <a:rPr lang="es-ES" dirty="0" smtClean="0"/>
-              <a:t>paridad</a:t>
+              <a:t>Encontrar función de paridad</a:t>
             </a:r>
             <a:endParaRPr lang="en-US" dirty="0" smtClean="0"/>
           </a:p>
@@ -5426,8 +5430,8 @@
         </p:nvSpPr>
         <p:spPr>
           <a:xfrm>
-            <a:off x="1178394" y="1729162"/>
-            <a:ext cx="7508405" cy="4238246"/>
+            <a:off x="1178394" y="1852490"/>
+            <a:ext cx="7508405" cy="4114918"/>
           </a:xfrm>
         </p:spPr>
         <p:txBody>
@@ -5438,26 +5442,15 @@
           <a:p>
             <a:r>
               <a:rPr lang="en-US" sz="2800" dirty="0" err="1" smtClean="0"/>
-              <a:t>Uso</a:t>
+              <a:t>Punto</a:t>
             </a:r>
             <a:r>
               <a:rPr lang="en-US" sz="2800" dirty="0" smtClean="0"/>
-              <a:t> de la cache </a:t>
-            </a:r>
-            <a:r>
-              <a:rPr lang="en-US" sz="2800" dirty="0" err="1" smtClean="0"/>
-              <a:t>distribuida</a:t>
-            </a:r>
-            <a:endParaRPr lang="en-US" sz="2800" dirty="0" smtClean="0"/>
-          </a:p>
-          <a:p>
-            <a:r>
-              <a:rPr lang="en-US" sz="2800" dirty="0" err="1" smtClean="0"/>
-              <a:t>Punto</a:t>
+              <a:t> </a:t>
             </a:r>
             <a:r>
               <a:rPr lang="en-US" sz="2800" dirty="0" smtClean="0"/>
-              <a:t> de </a:t>
+              <a:t>de </a:t>
             </a:r>
             <a:r>
               <a:rPr lang="en-US" sz="2800" dirty="0" err="1" smtClean="0"/>
@@ -6726,11 +6719,7 @@
             </a:r>
             <a:r>
               <a:rPr lang="en-US" dirty="0" err="1" smtClean="0"/>
-              <a:t>informaci</a:t>
-            </a:r>
-            <a:r>
-              <a:rPr lang="en-US" dirty="0" err="1" smtClean="0"/>
-              <a:t>ón</a:t>
+              <a:t>información</a:t>
             </a:r>
             <a:endParaRPr lang="en-US" dirty="0" smtClean="0"/>
           </a:p>
@@ -7295,7 +7284,7 @@
 </file>
 
 <file path=ppt/slides/slide22.xml><?xml version="1.0" encoding="utf-8"?>
-<p:sld xmlns:a="http://schemas.openxmlformats.org/drawingml/2006/main" xmlns:r="http://schemas.openxmlformats.org/officeDocument/2006/relationships" xmlns:p="http://schemas.openxmlformats.org/presentationml/2006/main">
+<p:sld xmlns:a="http://schemas.openxmlformats.org/drawingml/2006/main" xmlns:r="http://schemas.openxmlformats.org/officeDocument/2006/relationships" xmlns:p="http://schemas.openxmlformats.org/presentationml/2006/main" show="0">
   <p:cSld>
     <p:spTree>
       <p:nvGrpSpPr>
@@ -7463,6 +7452,14 @@
   <p:clrMapOvr>
     <a:masterClrMapping/>
   </p:clrMapOvr>
+  <mc:AlternateContent xmlns:mc="http://schemas.openxmlformats.org/markup-compatibility/2006">
+    <mc:Choice xmlns:p14="http://schemas.microsoft.com/office/powerpoint/2010/main" Requires="p14">
+      <p:transition spd="slow" p14:dur="2000"/>
+    </mc:Choice>
+    <mc:Fallback>
+      <p:transition xmlns:p14="http://schemas.microsoft.com/office/powerpoint/2010/main" spd="slow"/>
+    </mc:Fallback>
+  </mc:AlternateContent>
   <p:timing>
     <p:tnLst>
       <p:par>
@@ -7474,7 +7471,7 @@
 </file>
 
 <file path=ppt/slides/slide23.xml><?xml version="1.0" encoding="utf-8"?>
-<p:sld xmlns:a="http://schemas.openxmlformats.org/drawingml/2006/main" xmlns:r="http://schemas.openxmlformats.org/officeDocument/2006/relationships" xmlns:p="http://schemas.openxmlformats.org/presentationml/2006/main">
+<p:sld xmlns:a="http://schemas.openxmlformats.org/drawingml/2006/main" xmlns:r="http://schemas.openxmlformats.org/officeDocument/2006/relationships" xmlns:p="http://schemas.openxmlformats.org/presentationml/2006/main" show="0">
   <p:cSld>
     <p:spTree>
       <p:nvGrpSpPr>
@@ -7646,6 +7643,14 @@
   <p:clrMapOvr>
     <a:masterClrMapping/>
   </p:clrMapOvr>
+  <mc:AlternateContent xmlns:mc="http://schemas.openxmlformats.org/markup-compatibility/2006">
+    <mc:Choice xmlns:p14="http://schemas.microsoft.com/office/powerpoint/2010/main" Requires="p14">
+      <p:transition spd="slow" p14:dur="2000"/>
+    </mc:Choice>
+    <mc:Fallback>
+      <p:transition xmlns:p14="http://schemas.microsoft.com/office/powerpoint/2010/main" spd="slow"/>
+    </mc:Fallback>
+  </mc:AlternateContent>
   <p:timing>
     <p:tnLst>
       <p:par>
@@ -10756,7 +10761,7 @@
         </p:nvSpPr>
         <p:spPr>
           <a:xfrm>
-            <a:off x="1058065" y="1941788"/>
+            <a:off x="2363103" y="2069948"/>
             <a:ext cx="4404680" cy="3460783"/>
           </a:xfrm>
         </p:spPr>
@@ -10954,195 +10959,6 @@
           </a:prstGeom>
         </p:spPr>
       </p:pic>
-      <p:sp>
-        <p:nvSpPr>
-          <p:cNvPr id="8" name="Content Placeholder 2"/>
-          <p:cNvSpPr txBox="1">
-            <a:spLocks/>
-          </p:cNvSpPr>
-          <p:nvPr/>
-        </p:nvSpPr>
-        <p:spPr>
-          <a:xfrm>
-            <a:off x="5343327" y="2587862"/>
-            <a:ext cx="3165410" cy="1782952"/>
-          </a:xfrm>
-          <a:prstGeom prst="rect">
-            <a:avLst/>
-          </a:prstGeom>
-        </p:spPr>
-        <p:txBody>
-          <a:bodyPr vert="horz" lIns="91440" tIns="45720" rIns="91440" bIns="45720" rtlCol="0">
-            <a:noAutofit/>
-          </a:bodyPr>
-          <a:lstStyle>
-            <a:lvl1pPr marL="342900" indent="-342900" algn="l" defTabSz="457200" rtl="0" eaLnBrk="1" latinLnBrk="0" hangingPunct="1">
-              <a:spcBef>
-                <a:spcPct val="20000"/>
-              </a:spcBef>
-              <a:buFont typeface="Arial"/>
-              <a:buChar char="•"/>
-              <a:defRPr sz="3200" kern="1200">
-                <a:solidFill>
-                  <a:schemeClr val="tx1"/>
-                </a:solidFill>
-                <a:latin typeface="+mn-lt"/>
-                <a:ea typeface="+mn-ea"/>
-                <a:cs typeface="+mn-cs"/>
-              </a:defRPr>
-            </a:lvl1pPr>
-            <a:lvl2pPr marL="742950" indent="-285750" algn="l" defTabSz="457200" rtl="0" eaLnBrk="1" latinLnBrk="0" hangingPunct="1">
-              <a:spcBef>
-                <a:spcPct val="20000"/>
-              </a:spcBef>
-              <a:buFont typeface="Arial"/>
-              <a:buChar char="–"/>
-              <a:defRPr sz="2800" kern="1200">
-                <a:solidFill>
-                  <a:schemeClr val="tx1"/>
-                </a:solidFill>
-                <a:latin typeface="+mn-lt"/>
-                <a:ea typeface="+mn-ea"/>
-                <a:cs typeface="+mn-cs"/>
-              </a:defRPr>
-            </a:lvl2pPr>
-            <a:lvl3pPr marL="1143000" indent="-228600" algn="l" defTabSz="457200" rtl="0" eaLnBrk="1" latinLnBrk="0" hangingPunct="1">
-              <a:spcBef>
-                <a:spcPct val="20000"/>
-              </a:spcBef>
-              <a:buFont typeface="Arial"/>
-              <a:buChar char="•"/>
-              <a:defRPr sz="2400" kern="1200">
-                <a:solidFill>
-                  <a:schemeClr val="tx1"/>
-                </a:solidFill>
-                <a:latin typeface="+mn-lt"/>
-                <a:ea typeface="+mn-ea"/>
-                <a:cs typeface="+mn-cs"/>
-              </a:defRPr>
-            </a:lvl3pPr>
-            <a:lvl4pPr marL="1600200" indent="-228600" algn="l" defTabSz="457200" rtl="0" eaLnBrk="1" latinLnBrk="0" hangingPunct="1">
-              <a:spcBef>
-                <a:spcPct val="20000"/>
-              </a:spcBef>
-              <a:buFont typeface="Arial"/>
-              <a:buChar char="–"/>
-              <a:defRPr sz="2000" kern="1200">
-                <a:solidFill>
-                  <a:schemeClr val="tx1"/>
-                </a:solidFill>
-                <a:latin typeface="+mn-lt"/>
-                <a:ea typeface="+mn-ea"/>
-                <a:cs typeface="+mn-cs"/>
-              </a:defRPr>
-            </a:lvl4pPr>
-            <a:lvl5pPr marL="2057400" indent="-228600" algn="l" defTabSz="457200" rtl="0" eaLnBrk="1" latinLnBrk="0" hangingPunct="1">
-              <a:spcBef>
-                <a:spcPct val="20000"/>
-              </a:spcBef>
-              <a:buFont typeface="Arial"/>
-              <a:buChar char="»"/>
-              <a:defRPr sz="2000" kern="1200">
-                <a:solidFill>
-                  <a:schemeClr val="tx1"/>
-                </a:solidFill>
-                <a:latin typeface="+mn-lt"/>
-                <a:ea typeface="+mn-ea"/>
-                <a:cs typeface="+mn-cs"/>
-              </a:defRPr>
-            </a:lvl5pPr>
-            <a:lvl6pPr marL="2514600" indent="-228600" algn="l" defTabSz="457200" rtl="0" eaLnBrk="1" latinLnBrk="0" hangingPunct="1">
-              <a:spcBef>
-                <a:spcPct val="20000"/>
-              </a:spcBef>
-              <a:buFont typeface="Arial"/>
-              <a:buChar char="•"/>
-              <a:defRPr sz="2000" kern="1200">
-                <a:solidFill>
-                  <a:schemeClr val="tx1"/>
-                </a:solidFill>
-                <a:latin typeface="+mn-lt"/>
-                <a:ea typeface="+mn-ea"/>
-                <a:cs typeface="+mn-cs"/>
-              </a:defRPr>
-            </a:lvl6pPr>
-            <a:lvl7pPr marL="2971800" indent="-228600" algn="l" defTabSz="457200" rtl="0" eaLnBrk="1" latinLnBrk="0" hangingPunct="1">
-              <a:spcBef>
-                <a:spcPct val="20000"/>
-              </a:spcBef>
-              <a:buFont typeface="Arial"/>
-              <a:buChar char="•"/>
-              <a:defRPr sz="2000" kern="1200">
-                <a:solidFill>
-                  <a:schemeClr val="tx1"/>
-                </a:solidFill>
-                <a:latin typeface="+mn-lt"/>
-                <a:ea typeface="+mn-ea"/>
-                <a:cs typeface="+mn-cs"/>
-              </a:defRPr>
-            </a:lvl7pPr>
-            <a:lvl8pPr marL="3429000" indent="-228600" algn="l" defTabSz="457200" rtl="0" eaLnBrk="1" latinLnBrk="0" hangingPunct="1">
-              <a:spcBef>
-                <a:spcPct val="20000"/>
-              </a:spcBef>
-              <a:buFont typeface="Arial"/>
-              <a:buChar char="•"/>
-              <a:defRPr sz="2000" kern="1200">
-                <a:solidFill>
-                  <a:schemeClr val="tx1"/>
-                </a:solidFill>
-                <a:latin typeface="+mn-lt"/>
-                <a:ea typeface="+mn-ea"/>
-                <a:cs typeface="+mn-cs"/>
-              </a:defRPr>
-            </a:lvl8pPr>
-            <a:lvl9pPr marL="3886200" indent="-228600" algn="l" defTabSz="457200" rtl="0" eaLnBrk="1" latinLnBrk="0" hangingPunct="1">
-              <a:spcBef>
-                <a:spcPct val="20000"/>
-              </a:spcBef>
-              <a:buFont typeface="Arial"/>
-              <a:buChar char="•"/>
-              <a:defRPr sz="2000" kern="1200">
-                <a:solidFill>
-                  <a:schemeClr val="tx1"/>
-                </a:solidFill>
-                <a:latin typeface="+mn-lt"/>
-                <a:ea typeface="+mn-ea"/>
-                <a:cs typeface="+mn-cs"/>
-              </a:defRPr>
-            </a:lvl9pPr>
-          </a:lstStyle>
-          <a:p>
-            <a:r>
-              <a:rPr lang="en-US" sz="2400" dirty="0" err="1"/>
-              <a:t>Tecnologías</a:t>
-            </a:r>
-            <a:endParaRPr lang="en-US" sz="2400" dirty="0" smtClean="0"/>
-          </a:p>
-          <a:p>
-            <a:pPr lvl="1"/>
-            <a:r>
-              <a:rPr lang="en-US" sz="2000" dirty="0" smtClean="0"/>
-              <a:t>MPI</a:t>
-            </a:r>
-          </a:p>
-          <a:p>
-            <a:pPr lvl="1"/>
-            <a:r>
-              <a:rPr lang="en-US" sz="2000" dirty="0" smtClean="0"/>
-              <a:t>PVM</a:t>
-            </a:r>
-          </a:p>
-          <a:p>
-            <a:pPr lvl="1"/>
-            <a:r>
-              <a:rPr lang="en-US" sz="2000" dirty="0" smtClean="0"/>
-              <a:t>BOINC</a:t>
-            </a:r>
-            <a:endParaRPr lang="en-US" sz="2000" dirty="0"/>
-          </a:p>
-        </p:txBody>
-      </p:sp>
     </p:spTree>
     <p:extLst>
       <p:ext uri="{BB962C8B-B14F-4D97-AF65-F5344CB8AC3E}">
@@ -11615,18 +11431,6 @@
               <a:t>distribuida</a:t>
             </a:r>
             <a:endParaRPr lang="en-US" sz="2800" dirty="0" smtClean="0"/>
-          </a:p>
-          <a:p>
-            <a:pPr lvl="1"/>
-            <a:r>
-              <a:rPr lang="en-US" sz="2400" dirty="0" smtClean="0"/>
-              <a:t>Y </a:t>
-            </a:r>
-            <a:r>
-              <a:rPr lang="en-US" sz="2400" dirty="0" err="1" smtClean="0"/>
-              <a:t>multiprocesador</a:t>
-            </a:r>
-            <a:endParaRPr lang="en-US" sz="2400" dirty="0" smtClean="0"/>
           </a:p>
           <a:p>
             <a:endParaRPr lang="en-US" sz="2800" dirty="0" smtClean="0"/>
